--- a/Just Enough Vue.pptx
+++ b/Just Enough Vue.pptx
@@ -106,6 +106,11 @@
       </a:defRPr>
     </a:lvl9pPr>
   </p:defaultTextStyle>
+  <p:extLst>
+    <p:ext uri="{EFAFB233-063F-42B5-8137-9DF3F51BA10A}">
+      <p15:sldGuideLst xmlns:p15="http://schemas.microsoft.com/office/powerpoint/2012/main"/>
+    </p:ext>
+  </p:extLst>
 </p:presentation>
 </file>
 
@@ -305,7 +310,7 @@
           <a:p>
             <a:fld id="{9DFB8EA1-99F8-4E7A-8004-7FF6CCB6EA35}" type="datetimeFigureOut">
               <a:rPr lang="en-US" smtClean="0"/>
-              <a:t>10/28/2020</a:t>
+              <a:t>12/10/2020</a:t>
             </a:fld>
             <a:endParaRPr lang="en-US"/>
           </a:p>
@@ -586,7 +591,7 @@
           <a:p>
             <a:fld id="{9DFB8EA1-99F8-4E7A-8004-7FF6CCB6EA35}" type="datetimeFigureOut">
               <a:rPr lang="en-US" smtClean="0"/>
-              <a:t>10/28/2020</a:t>
+              <a:t>12/10/2020</a:t>
             </a:fld>
             <a:endParaRPr lang="en-US"/>
           </a:p>
@@ -778,7 +783,7 @@
           <a:p>
             <a:fld id="{9DFB8EA1-99F8-4E7A-8004-7FF6CCB6EA35}" type="datetimeFigureOut">
               <a:rPr lang="en-US" smtClean="0"/>
-              <a:t>10/28/2020</a:t>
+              <a:t>12/10/2020</a:t>
             </a:fld>
             <a:endParaRPr lang="en-US"/>
           </a:p>
@@ -1039,7 +1044,7 @@
           <a:p>
             <a:fld id="{9DFB8EA1-99F8-4E7A-8004-7FF6CCB6EA35}" type="datetimeFigureOut">
               <a:rPr lang="en-US" smtClean="0"/>
-              <a:t>10/28/2020</a:t>
+              <a:t>12/10/2020</a:t>
             </a:fld>
             <a:endParaRPr lang="en-US"/>
           </a:p>
@@ -1465,7 +1470,7 @@
           <a:p>
             <a:fld id="{9DFB8EA1-99F8-4E7A-8004-7FF6CCB6EA35}" type="datetimeFigureOut">
               <a:rPr lang="en-US" smtClean="0"/>
-              <a:t>10/28/2020</a:t>
+              <a:t>12/10/2020</a:t>
             </a:fld>
             <a:endParaRPr lang="en-US"/>
           </a:p>
@@ -2011,7 +2016,7 @@
           <a:p>
             <a:fld id="{9DFB8EA1-99F8-4E7A-8004-7FF6CCB6EA35}" type="datetimeFigureOut">
               <a:rPr lang="en-US" smtClean="0"/>
-              <a:t>10/28/2020</a:t>
+              <a:t>12/10/2020</a:t>
             </a:fld>
             <a:endParaRPr lang="en-US"/>
           </a:p>
@@ -2842,7 +2847,7 @@
           <a:p>
             <a:fld id="{9DFB8EA1-99F8-4E7A-8004-7FF6CCB6EA35}" type="datetimeFigureOut">
               <a:rPr lang="en-US" smtClean="0"/>
-              <a:t>10/28/2020</a:t>
+              <a:t>12/10/2020</a:t>
             </a:fld>
             <a:endParaRPr lang="en-US"/>
           </a:p>
@@ -3012,7 +3017,7 @@
           <a:p>
             <a:fld id="{9DFB8EA1-99F8-4E7A-8004-7FF6CCB6EA35}" type="datetimeFigureOut">
               <a:rPr lang="en-US" smtClean="0"/>
-              <a:t>10/28/2020</a:t>
+              <a:t>12/10/2020</a:t>
             </a:fld>
             <a:endParaRPr lang="en-US"/>
           </a:p>
@@ -3192,7 +3197,7 @@
           <a:p>
             <a:fld id="{9DFB8EA1-99F8-4E7A-8004-7FF6CCB6EA35}" type="datetimeFigureOut">
               <a:rPr lang="en-US" smtClean="0"/>
-              <a:t>10/28/2020</a:t>
+              <a:t>12/10/2020</a:t>
             </a:fld>
             <a:endParaRPr lang="en-US"/>
           </a:p>
@@ -3362,7 +3367,7 @@
           <a:p>
             <a:fld id="{9DFB8EA1-99F8-4E7A-8004-7FF6CCB6EA35}" type="datetimeFigureOut">
               <a:rPr lang="en-US" smtClean="0"/>
-              <a:t>10/28/2020</a:t>
+              <a:t>12/10/2020</a:t>
             </a:fld>
             <a:endParaRPr lang="en-US"/>
           </a:p>
@@ -3619,7 +3624,7 @@
           <a:p>
             <a:fld id="{9DFB8EA1-99F8-4E7A-8004-7FF6CCB6EA35}" type="datetimeFigureOut">
               <a:rPr lang="en-US" smtClean="0"/>
-              <a:t>10/28/2020</a:t>
+              <a:t>12/10/2020</a:t>
             </a:fld>
             <a:endParaRPr lang="en-US"/>
           </a:p>
@@ -3851,7 +3856,7 @@
           <a:p>
             <a:fld id="{9DFB8EA1-99F8-4E7A-8004-7FF6CCB6EA35}" type="datetimeFigureOut">
               <a:rPr lang="en-US" smtClean="0"/>
-              <a:t>10/28/2020</a:t>
+              <a:t>12/10/2020</a:t>
             </a:fld>
             <a:endParaRPr lang="en-US"/>
           </a:p>
@@ -4244,7 +4249,7 @@
           <a:p>
             <a:fld id="{9DFB8EA1-99F8-4E7A-8004-7FF6CCB6EA35}" type="datetimeFigureOut">
               <a:rPr lang="en-US" smtClean="0"/>
-              <a:t>10/28/2020</a:t>
+              <a:t>12/10/2020</a:t>
             </a:fld>
             <a:endParaRPr lang="en-US"/>
           </a:p>
@@ -4362,7 +4367,7 @@
           <a:p>
             <a:fld id="{9DFB8EA1-99F8-4E7A-8004-7FF6CCB6EA35}" type="datetimeFigureOut">
               <a:rPr lang="en-US" smtClean="0"/>
-              <a:t>10/28/2020</a:t>
+              <a:t>12/10/2020</a:t>
             </a:fld>
             <a:endParaRPr lang="en-US"/>
           </a:p>
@@ -4457,7 +4462,7 @@
           <a:p>
             <a:fld id="{9DFB8EA1-99F8-4E7A-8004-7FF6CCB6EA35}" type="datetimeFigureOut">
               <a:rPr lang="en-US" smtClean="0"/>
-              <a:t>10/28/2020</a:t>
+              <a:t>12/10/2020</a:t>
             </a:fld>
             <a:endParaRPr lang="en-US"/>
           </a:p>
@@ -4730,7 +4735,7 @@
           <a:p>
             <a:fld id="{9DFB8EA1-99F8-4E7A-8004-7FF6CCB6EA35}" type="datetimeFigureOut">
               <a:rPr lang="en-US" smtClean="0"/>
-              <a:t>10/28/2020</a:t>
+              <a:t>12/10/2020</a:t>
             </a:fld>
             <a:endParaRPr lang="en-US"/>
           </a:p>
@@ -5011,7 +5016,7 @@
           <a:p>
             <a:fld id="{9DFB8EA1-99F8-4E7A-8004-7FF6CCB6EA35}" type="datetimeFigureOut">
               <a:rPr lang="en-US" smtClean="0"/>
-              <a:t>10/28/2020</a:t>
+              <a:t>12/10/2020</a:t>
             </a:fld>
             <a:endParaRPr lang="en-US"/>
           </a:p>
@@ -5251,7 +5256,7 @@
           <a:p>
             <a:fld id="{9DFB8EA1-99F8-4E7A-8004-7FF6CCB6EA35}" type="datetimeFigureOut">
               <a:rPr lang="en-US" smtClean="0"/>
-              <a:t>10/28/2020</a:t>
+              <a:t>12/10/2020</a:t>
             </a:fld>
             <a:endParaRPr lang="en-US"/>
           </a:p>
@@ -5911,7 +5916,7 @@
           <a:p>
             <a:pPr algn="l"/>
             <a:r>
-              <a:rPr lang="en-US" sz="6000">
+              <a:rPr lang="en-US" sz="6000" dirty="0">
                 <a:solidFill>
                   <a:schemeClr val="tx1">
                     <a:lumMod val="85000"/>
@@ -6051,6 +6056,65 @@
           <a:p>
             <a:pPr algn="ctr"/>
             <a:endParaRPr lang="en-US"/>
+          </a:p>
+        </p:txBody>
+      </p:sp>
+      <p:sp>
+        <p:nvSpPr>
+          <p:cNvPr id="3" name="Rectangle 2">
+            <a:extLst>
+              <a:ext uri="{FF2B5EF4-FFF2-40B4-BE49-F238E27FC236}">
+                <a16:creationId xmlns:a16="http://schemas.microsoft.com/office/drawing/2014/main" id="{1C197C34-9860-420B-845D-CE1ECC1BC4FA}"/>
+              </a:ext>
+            </a:extLst>
+          </p:cNvPr>
+          <p:cNvSpPr/>
+          <p:nvPr/>
+        </p:nvSpPr>
+        <p:spPr>
+          <a:xfrm>
+            <a:off x="8301227" y="5281290"/>
+            <a:ext cx="2422357" cy="509910"/>
+          </a:xfrm>
+          <a:prstGeom prst="rect">
+            <a:avLst/>
+          </a:prstGeom>
+          <a:noFill/>
+          <a:ln>
+            <a:solidFill>
+              <a:schemeClr val="bg1"/>
+            </a:solidFill>
+          </a:ln>
+        </p:spPr>
+        <p:style>
+          <a:lnRef idx="2">
+            <a:schemeClr val="accent1">
+              <a:shade val="50000"/>
+            </a:schemeClr>
+          </a:lnRef>
+          <a:fillRef idx="1">
+            <a:schemeClr val="accent1"/>
+          </a:fillRef>
+          <a:effectRef idx="0">
+            <a:schemeClr val="accent1"/>
+          </a:effectRef>
+          <a:fontRef idx="minor">
+            <a:schemeClr val="lt1"/>
+          </a:fontRef>
+        </p:style>
+        <p:txBody>
+          <a:bodyPr rtlCol="0" anchor="ctr"/>
+          <a:lstStyle/>
+          <a:p>
+            <a:pPr algn="ctr"/>
+            <a:r>
+              <a:rPr lang="en-US" dirty="0">
+                <a:solidFill>
+                  <a:schemeClr val="tx1"/>
+                </a:solidFill>
+              </a:rPr>
+              <a:t>Joshua Keel</a:t>
+            </a:r>
           </a:p>
         </p:txBody>
       </p:sp>
@@ -6398,7 +6462,7 @@
                   </a:schemeClr>
                 </a:solidFill>
               </a:rPr>
-              <a:t>To be dangerous</a:t>
+              <a:t>To be dangerous 😈</a:t>
             </a:r>
           </a:p>
         </p:txBody>
